--- a/如何讓SSIS開發批次變得更簡單.pptx
+++ b/如何讓SSIS開發批次變得更簡單.pptx
@@ -7888,6 +7888,19 @@
             <a:endParaRPr lang="en-US" altLang="zh-TW" dirty="0" smtClean="0"/>
           </a:p>
           <a:p>
+            <a:r>
+              <a:rPr lang="zh-TW" altLang="en-US" dirty="0" smtClean="0"/>
+              <a:t>簡報下載：</a:t>
+            </a:r>
+            <a:r>
+              <a:rPr lang="en-US" altLang="zh-TW">
+                <a:hlinkClick r:id="rId3"/>
+              </a:rPr>
+              <a:t>https://github.com/jonesyeh/SBP_PPT</a:t>
+            </a:r>
+            <a:endParaRPr lang="en-US" altLang="zh-TW" dirty="0" smtClean="0"/>
+          </a:p>
+          <a:p>
             <a:endParaRPr lang="en-US" altLang="zh-TW" dirty="0" smtClean="0"/>
           </a:p>
           <a:p>
@@ -8683,11 +8696,7 @@
             </a:r>
             <a:r>
               <a:rPr lang="en-US" altLang="zh-TW" b="1" dirty="0" smtClean="0"/>
-              <a:t>?(</a:t>
-            </a:r>
-            <a:r>
-              <a:rPr lang="en-US" altLang="zh-TW" b="1" dirty="0" smtClean="0"/>
-              <a:t>2/2)</a:t>
+              <a:t>?(2/2)</a:t>
             </a:r>
             <a:r>
               <a:rPr lang="en-US" altLang="zh-TW" b="1" dirty="0"/>
@@ -13459,17 +13468,12 @@
           <a:p>
             <a:r>
               <a:rPr lang="zh-TW" altLang="en-US" b="1" dirty="0" smtClean="0"/>
-              <a:t>批次的</a:t>
-            </a:r>
-            <a:r>
-              <a:rPr lang="zh-TW" altLang="en-US" b="1" dirty="0" smtClean="0"/>
-              <a:t>需求</a:t>
+              <a:t>批次的需求</a:t>
             </a:r>
             <a:r>
               <a:rPr lang="en-US" altLang="zh-TW" b="1" dirty="0" smtClean="0"/>
               <a:t>?</a:t>
             </a:r>
-            <a:endParaRPr lang="en-US" altLang="zh-TW" b="1" dirty="0" smtClean="0"/>
           </a:p>
           <a:p>
             <a:r>
@@ -19365,11 +19369,7 @@
             </a:r>
             <a:r>
               <a:rPr lang="en-US" altLang="zh-TW" b="1" dirty="0" smtClean="0"/>
-              <a:t>(</a:t>
-            </a:r>
-            <a:r>
-              <a:rPr lang="en-US" altLang="zh-TW" b="1" dirty="0" smtClean="0"/>
-              <a:t>1/2)</a:t>
+              <a:t>(1/2)</a:t>
             </a:r>
             <a:r>
               <a:rPr lang="en-US" altLang="zh-TW" b="1" dirty="0"/>
@@ -19710,11 +19710,7 @@
             </a:r>
             <a:r>
               <a:rPr lang="en-US" altLang="zh-TW" b="1" dirty="0" smtClean="0"/>
-              <a:t>(</a:t>
-            </a:r>
-            <a:r>
-              <a:rPr lang="en-US" altLang="zh-TW" b="1" dirty="0" smtClean="0"/>
-              <a:t>2/2)</a:t>
+              <a:t>(2/2)</a:t>
             </a:r>
             <a:r>
               <a:rPr lang="en-US" altLang="zh-TW" b="1" dirty="0"/>
@@ -20153,81 +20149,6 @@
 </file>
 
 <file path=customXml/item1.xml><?xml version="1.0" encoding="utf-8"?>
-<Control xmlns="http://schemas.microsoft.com/VisualStudio/2011/storyboarding/control">
-  <Id Name="System.Storyboarding.WindowsAppIcons.Web" Revision="1" Stencil="System.Storyboarding.WindowsAppIcons" StencilVersion="0.1"/>
-</Control>
-</file>
-
-<file path=customXml/item10.xml><?xml version="1.0" encoding="utf-8"?>
-<Control xmlns="http://schemas.microsoft.com/VisualStudio/2011/storyboarding/control">
-  <Id Name="System.Storyboarding.WindowsAppIcons.Web" Revision="1" Stencil="System.Storyboarding.WindowsAppIcons" StencilVersion="0.1"/>
-</Control>
-</file>
-
-<file path=customXml/item11.xml><?xml version="1.0" encoding="utf-8"?>
-<?mso-contentType ?>
-<FormTemplates xmlns="http://schemas.microsoft.com/sharepoint/v3/contenttype/forms">
-  <Display>DocumentLibraryForm</Display>
-  <Edit>DocumentLibraryForm</Edit>
-  <New>DocumentLibraryForm</New>
-</FormTemplates>
-</file>
-
-<file path=customXml/item12.xml><?xml version="1.0" encoding="utf-8"?>
-<Control xmlns="http://schemas.microsoft.com/VisualStudio/2011/storyboarding/control">
-  <Id Name="761a6736-8b3b-4f55-b15e-48818de58055" Revision="1" Stencil="85a07843-b809-41ee-b566-325b1850150a" StencilVersion="1.0"/>
-</Control>
-</file>
-
-<file path=customXml/item13.xml><?xml version="1.0" encoding="utf-8"?>
-<Control xmlns="http://schemas.microsoft.com/VisualStudio/2011/storyboarding/control">
-  <Id Name="57ce005f-4166-4f04-b3e1-8a8b05ea1f06" RevisionId="141682c8-8c74-41ed-b47d-1c2b47fa8f1c" Stencil="172d6d98-e5c9-42e9-a209-79f7a94bbd38" StencilRevisionId="00000000-0000-0000-0000-000000000000" StencilVersion="0.0"/>
-</Control>
-</file>
-
-<file path=customXml/item14.xml><?xml version="1.0" encoding="utf-8"?>
-<Control xmlns="http://schemas.microsoft.com/VisualStudio/2011/storyboarding/control">
-  <Id Name="System.Storyboarding.WindowsAppIcons.Alarm" Revision="1" Stencil="System.Storyboarding.WindowsAppIcons" StencilVersion="0.1"/>
-</Control>
-</file>
-
-<file path=customXml/item15.xml><?xml version="1.0" encoding="utf-8"?>
-<Control xmlns="http://schemas.microsoft.com/VisualStudio/2011/storyboarding/control">
-  <Id Name="57ce005f-4166-4f04-b3e1-8a8b05ea1f06" RevisionId="141682c8-8c74-41ed-b47d-1c2b47fa8f1c" Stencil="172d6d98-e5c9-42e9-a209-79f7a94bbd38" StencilRevisionId="00000000-0000-0000-0000-000000000000" StencilVersion="0.0"/>
-</Control>
-</file>
-
-<file path=customXml/item2.xml><?xml version="1.0" encoding="utf-8"?>
-<p:properties xmlns:p="http://schemas.microsoft.com/office/2006/metadata/properties" xmlns:xsi="http://www.w3.org/2001/XMLSchema-instance" xmlns:pc="http://schemas.microsoft.com/office/infopath/2007/PartnerControls">
-  <documentManagement/>
-</p:properties>
-</file>
-
-<file path=customXml/item3.xml><?xml version="1.0" encoding="utf-8"?>
-<Control xmlns="http://schemas.microsoft.com/VisualStudio/2011/storyboarding/control">
-  <Id Name="System.Storyboarding.WindowsAppIcons.Web" Revision="1" Stencil="System.Storyboarding.WindowsAppIcons" StencilVersion="0.1"/>
-</Control>
-</file>
-
-<file path=customXml/item4.xml><?xml version="1.0" encoding="utf-8"?>
-<Control xmlns="http://schemas.microsoft.com/VisualStudio/2011/storyboarding/control">
-  <Id Name="57ce005f-4166-4f04-b3e1-8a8b05ea1f06" RevisionId="141682c8-8c74-41ed-b47d-1c2b47fa8f1c" Stencil="172d6d98-e5c9-42e9-a209-79f7a94bbd38" StencilRevisionId="00000000-0000-0000-0000-000000000000" StencilVersion="0.0"/>
-</Control>
-</file>
-
-<file path=customXml/item5.xml><?xml version="1.0" encoding="utf-8"?>
-<Control xmlns="http://schemas.microsoft.com/VisualStudio/2011/storyboarding/control">
-  <Id Name="761a6736-8b3b-4f55-b15e-48818de58055" Revision="1" Stencil="85a07843-b809-41ee-b566-325b1850150a" StencilVersion="1.0"/>
-</Control>
-</file>
-
-<file path=customXml/item6.xml><?xml version="1.0" encoding="utf-8"?>
-<Control xmlns="http://schemas.microsoft.com/VisualStudio/2011/storyboarding/control">
-  <Id Name="System.Storyboarding.WindowsAppIcons.Alarm" Revision="1" Stencil="System.Storyboarding.WindowsAppIcons" StencilVersion="0.1"/>
-</Control>
-</file>
-
-<file path=customXml/item7.xml><?xml version="1.0" encoding="utf-8"?>
 <ct:contentTypeSchema xmlns:ct="http://schemas.microsoft.com/office/2006/metadata/contentType" xmlns:ma="http://schemas.microsoft.com/office/2006/metadata/properties/metaAttributes" ct:_="" ma:_="" ma:contentTypeName="文档" ma:contentTypeID="0x010100D964E7A4E25A08488656A6EEEDDF7869" ma:contentTypeVersion="2" ma:contentTypeDescription="新建文档。" ma:contentTypeScope="" ma:versionID="ace0dbc2cc61c97c5fa341079b6423f8">
   <xsd:schema xmlns:xsd="http://www.w3.org/2001/XMLSchema" xmlns:xs="http://www.w3.org/2001/XMLSchema" xmlns:p="http://schemas.microsoft.com/office/2006/metadata/properties" xmlns:ns2="dc738bfa-ab61-413a-bc6b-25fa2f06df66" targetNamespace="http://schemas.microsoft.com/office/2006/metadata/properties" ma:root="true" ma:fieldsID="bbe8bc5938ddde51795bab9fc4296284" ns2:_="">
     <xsd:import namespace="dc738bfa-ab61-413a-bc6b-25fa2f06df66"/>
@@ -20359,6 +20280,81 @@
 </ct:contentTypeSchema>
 </file>
 
+<file path=customXml/item10.xml><?xml version="1.0" encoding="utf-8"?>
+<Control xmlns="http://schemas.microsoft.com/VisualStudio/2011/storyboarding/control">
+  <Id Name="761a6736-8b3b-4f55-b15e-48818de58055" Revision="1" Stencil="85a07843-b809-41ee-b566-325b1850150a" StencilVersion="1.0"/>
+</Control>
+</file>
+
+<file path=customXml/item11.xml><?xml version="1.0" encoding="utf-8"?>
+<Control xmlns="http://schemas.microsoft.com/VisualStudio/2011/storyboarding/control">
+  <Id Name="System.Storyboarding.WindowsAppIcons.Web" Revision="1" Stencil="System.Storyboarding.WindowsAppIcons" StencilVersion="0.1"/>
+</Control>
+</file>
+
+<file path=customXml/item12.xml><?xml version="1.0" encoding="utf-8"?>
+<Control xmlns="http://schemas.microsoft.com/VisualStudio/2011/storyboarding/control">
+  <Id Name="System.Storyboarding.WindowsAppIcons.Alarm" Revision="1" Stencil="System.Storyboarding.WindowsAppIcons" StencilVersion="0.1"/>
+</Control>
+</file>
+
+<file path=customXml/item13.xml><?xml version="1.0" encoding="utf-8"?>
+<Control xmlns="http://schemas.microsoft.com/VisualStudio/2011/storyboarding/control">
+  <Id Name="57ce005f-4166-4f04-b3e1-8a8b05ea1f06" RevisionId="141682c8-8c74-41ed-b47d-1c2b47fa8f1c" Stencil="172d6d98-e5c9-42e9-a209-79f7a94bbd38" StencilRevisionId="00000000-0000-0000-0000-000000000000" StencilVersion="0.0"/>
+</Control>
+</file>
+
+<file path=customXml/item14.xml><?xml version="1.0" encoding="utf-8"?>
+<Control xmlns="http://schemas.microsoft.com/VisualStudio/2011/storyboarding/control">
+  <Id Name="System.Storyboarding.WindowsAppIcons.Web" Revision="1" Stencil="System.Storyboarding.WindowsAppIcons" StencilVersion="0.1"/>
+</Control>
+</file>
+
+<file path=customXml/item15.xml><?xml version="1.0" encoding="utf-8"?>
+<Control xmlns="http://schemas.microsoft.com/VisualStudio/2011/storyboarding/control">
+  <Id Name="57ce005f-4166-4f04-b3e1-8a8b05ea1f06" RevisionId="141682c8-8c74-41ed-b47d-1c2b47fa8f1c" Stencil="172d6d98-e5c9-42e9-a209-79f7a94bbd38" StencilRevisionId="00000000-0000-0000-0000-000000000000" StencilVersion="0.0"/>
+</Control>
+</file>
+
+<file path=customXml/item2.xml><?xml version="1.0" encoding="utf-8"?>
+<p:properties xmlns:p="http://schemas.microsoft.com/office/2006/metadata/properties" xmlns:xsi="http://www.w3.org/2001/XMLSchema-instance" xmlns:pc="http://schemas.microsoft.com/office/infopath/2007/PartnerControls">
+  <documentManagement/>
+</p:properties>
+</file>
+
+<file path=customXml/item3.xml><?xml version="1.0" encoding="utf-8"?>
+<?mso-contentType ?>
+<FormTemplates xmlns="http://schemas.microsoft.com/sharepoint/v3/contenttype/forms">
+  <Display>DocumentLibraryForm</Display>
+  <Edit>DocumentLibraryForm</Edit>
+  <New>DocumentLibraryForm</New>
+</FormTemplates>
+</file>
+
+<file path=customXml/item4.xml><?xml version="1.0" encoding="utf-8"?>
+<Control xmlns="http://schemas.microsoft.com/VisualStudio/2011/storyboarding/control">
+  <Id Name="761a6736-8b3b-4f55-b15e-48818de58055" Revision="1" Stencil="85a07843-b809-41ee-b566-325b1850150a" StencilVersion="1.0"/>
+</Control>
+</file>
+
+<file path=customXml/item5.xml><?xml version="1.0" encoding="utf-8"?>
+<Control xmlns="http://schemas.microsoft.com/VisualStudio/2011/storyboarding/control">
+  <Id Name="57ce005f-4166-4f04-b3e1-8a8b05ea1f06" RevisionId="141682c8-8c74-41ed-b47d-1c2b47fa8f1c" Stencil="172d6d98-e5c9-42e9-a209-79f7a94bbd38" StencilRevisionId="00000000-0000-0000-0000-000000000000" StencilVersion="0.0"/>
+</Control>
+</file>
+
+<file path=customXml/item6.xml><?xml version="1.0" encoding="utf-8"?>
+<Control xmlns="http://schemas.microsoft.com/VisualStudio/2011/storyboarding/control">
+  <Id Name="761a6736-8b3b-4f55-b15e-48818de58055" Revision="1" Stencil="85a07843-b809-41ee-b566-325b1850150a" StencilVersion="1.0"/>
+</Control>
+</file>
+
+<file path=customXml/item7.xml><?xml version="1.0" encoding="utf-8"?>
+<Control xmlns="http://schemas.microsoft.com/VisualStudio/2011/storyboarding/control">
+  <Id Name="System.Storyboarding.WindowsAppIcons.Alarm" Revision="1" Stencil="System.Storyboarding.WindowsAppIcons" StencilVersion="0.1"/>
+</Control>
+</file>
+
 <file path=customXml/item8.xml><?xml version="1.0" encoding="utf-8"?>
 <Control xmlns="http://schemas.microsoft.com/VisualStudio/2011/storyboarding/control">
   <Id Name="761a6736-8b3b-4f55-b15e-48818de58055" Revision="1" Stencil="85a07843-b809-41ee-b566-325b1850150a" StencilVersion="1.0"/>
@@ -20367,11 +20363,38 @@
 
 <file path=customXml/item9.xml><?xml version="1.0" encoding="utf-8"?>
 <Control xmlns="http://schemas.microsoft.com/VisualStudio/2011/storyboarding/control">
-  <Id Name="761a6736-8b3b-4f55-b15e-48818de58055" Revision="1" Stencil="85a07843-b809-41ee-b566-325b1850150a" StencilVersion="1.0"/>
+  <Id Name="System.Storyboarding.WindowsAppIcons.Web" Revision="1" Stencil="System.Storyboarding.WindowsAppIcons" StencilVersion="0.1"/>
 </Control>
 </file>
 
 <file path=customXml/itemProps1.xml><?xml version="1.0" encoding="utf-8"?>
+<ds:datastoreItem xmlns:ds="http://schemas.openxmlformats.org/officeDocument/2006/customXml" ds:itemID="{D31D41D7-D620-47ED-9083-E82B404CBF31}">
+  <ds:schemaRefs>
+    <ds:schemaRef ds:uri="http://schemas.microsoft.com/office/2006/metadata/contentType"/>
+    <ds:schemaRef ds:uri="http://schemas.microsoft.com/office/2006/metadata/properties/metaAttributes"/>
+    <ds:schemaRef ds:uri="http://www.w3.org/2000/xmlns/"/>
+    <ds:schemaRef ds:uri="http://www.w3.org/2001/XMLSchema"/>
+    <ds:schemaRef ds:uri="dc738bfa-ab61-413a-bc6b-25fa2f06df66"/>
+    <ds:schemaRef ds:uri="http://schemas.microsoft.com/office/2006/metadata/properties"/>
+    <ds:schemaRef ds:uri="http://schemas.microsoft.com/office/2006/documentManagement/types"/>
+    <ds:schemaRef ds:uri="http://schemas.microsoft.com/office/infopath/2007/PartnerControls"/>
+    <ds:schemaRef ds:uri="http://schemas.openxmlformats.org/package/2006/metadata/core-properties"/>
+    <ds:schemaRef ds:uri="http://purl.org/dc/elements/1.1/"/>
+    <ds:schemaRef ds:uri="http://purl.org/dc/terms/"/>
+    <ds:schemaRef ds:uri="http://schemas.microsoft.com/internal/obd"/>
+  </ds:schemaRefs>
+</ds:datastoreItem>
+</file>
+
+<file path=customXml/itemProps10.xml><?xml version="1.0" encoding="utf-8"?>
+<ds:datastoreItem xmlns:ds="http://schemas.openxmlformats.org/officeDocument/2006/customXml" ds:itemID="{F9DC5C6D-040B-474B-9795-9E6C1316AC36}">
+  <ds:schemaRefs>
+    <ds:schemaRef ds:uri="http://schemas.microsoft.com/VisualStudio/2011/storyboarding/control"/>
+  </ds:schemaRefs>
+</ds:datastoreItem>
+</file>
+
+<file path=customXml/itemProps11.xml><?xml version="1.0" encoding="utf-8"?>
 <ds:datastoreItem xmlns:ds="http://schemas.openxmlformats.org/officeDocument/2006/customXml" ds:itemID="{4C7491CC-510F-49D4-915C-8CCAF5D4483C}">
   <ds:schemaRefs>
     <ds:schemaRef ds:uri="http://schemas.microsoft.com/VisualStudio/2011/storyboarding/control"/>
@@ -20379,7 +20402,23 @@
 </ds:datastoreItem>
 </file>
 
-<file path=customXml/itemProps10.xml><?xml version="1.0" encoding="utf-8"?>
+<file path=customXml/itemProps12.xml><?xml version="1.0" encoding="utf-8"?>
+<ds:datastoreItem xmlns:ds="http://schemas.openxmlformats.org/officeDocument/2006/customXml" ds:itemID="{2C459442-A4AE-4DAE-A598-599F353F7CF6}">
+  <ds:schemaRefs>
+    <ds:schemaRef ds:uri="http://schemas.microsoft.com/VisualStudio/2011/storyboarding/control"/>
+  </ds:schemaRefs>
+</ds:datastoreItem>
+</file>
+
+<file path=customXml/itemProps13.xml><?xml version="1.0" encoding="utf-8"?>
+<ds:datastoreItem xmlns:ds="http://schemas.openxmlformats.org/officeDocument/2006/customXml" ds:itemID="{0DB5EC77-CC21-48E1-8047-65E9B3DA9EDD}">
+  <ds:schemaRefs>
+    <ds:schemaRef ds:uri="http://schemas.microsoft.com/VisualStudio/2011/storyboarding/control"/>
+  </ds:schemaRefs>
+</ds:datastoreItem>
+</file>
+
+<file path=customXml/itemProps14.xml><?xml version="1.0" encoding="utf-8"?>
 <ds:datastoreItem xmlns:ds="http://schemas.openxmlformats.org/officeDocument/2006/customXml" ds:itemID="{103CA2B7-ABDE-43B6-A462-01596ED14202}">
   <ds:schemaRefs>
     <ds:schemaRef ds:uri="http://schemas.microsoft.com/VisualStudio/2011/storyboarding/control"/>
@@ -20387,40 +20426,8 @@
 </ds:datastoreItem>
 </file>
 
-<file path=customXml/itemProps11.xml><?xml version="1.0" encoding="utf-8"?>
-<ds:datastoreItem xmlns:ds="http://schemas.openxmlformats.org/officeDocument/2006/customXml" ds:itemID="{3FB4CD9D-3BC1-42A3-A468-E8D0B0337B7C}">
-  <ds:schemaRefs>
-    <ds:schemaRef ds:uri="http://schemas.microsoft.com/sharepoint/v3/contenttype/forms"/>
-  </ds:schemaRefs>
-</ds:datastoreItem>
-</file>
-
-<file path=customXml/itemProps12.xml><?xml version="1.0" encoding="utf-8"?>
-<ds:datastoreItem xmlns:ds="http://schemas.openxmlformats.org/officeDocument/2006/customXml" ds:itemID="{F9DC5C6D-040B-474B-9795-9E6C1316AC36}">
-  <ds:schemaRefs>
-    <ds:schemaRef ds:uri="http://schemas.microsoft.com/VisualStudio/2011/storyboarding/control"/>
-  </ds:schemaRefs>
-</ds:datastoreItem>
-</file>
-
-<file path=customXml/itemProps13.xml><?xml version="1.0" encoding="utf-8"?>
+<file path=customXml/itemProps15.xml><?xml version="1.0" encoding="utf-8"?>
 <ds:datastoreItem xmlns:ds="http://schemas.openxmlformats.org/officeDocument/2006/customXml" ds:itemID="{A063F351-1AD4-4F6C-873B-DDA5EE4BBDBB}">
-  <ds:schemaRefs>
-    <ds:schemaRef ds:uri="http://schemas.microsoft.com/VisualStudio/2011/storyboarding/control"/>
-  </ds:schemaRefs>
-</ds:datastoreItem>
-</file>
-
-<file path=customXml/itemProps14.xml><?xml version="1.0" encoding="utf-8"?>
-<ds:datastoreItem xmlns:ds="http://schemas.openxmlformats.org/officeDocument/2006/customXml" ds:itemID="{2DED90C4-D9F1-4A4D-878F-220D729374B8}">
-  <ds:schemaRefs>
-    <ds:schemaRef ds:uri="http://schemas.microsoft.com/VisualStudio/2011/storyboarding/control"/>
-  </ds:schemaRefs>
-</ds:datastoreItem>
-</file>
-
-<file path=customXml/itemProps15.xml><?xml version="1.0" encoding="utf-8"?>
-<ds:datastoreItem xmlns:ds="http://schemas.openxmlformats.org/officeDocument/2006/customXml" ds:itemID="{0DB5EC77-CC21-48E1-8047-65E9B3DA9EDD}">
   <ds:schemaRefs>
     <ds:schemaRef ds:uri="http://schemas.microsoft.com/VisualStudio/2011/storyboarding/control"/>
   </ds:schemaRefs>
@@ -20444,14 +20451,22 @@
 </file>
 
 <file path=customXml/itemProps3.xml><?xml version="1.0" encoding="utf-8"?>
-<ds:datastoreItem xmlns:ds="http://schemas.openxmlformats.org/officeDocument/2006/customXml" ds:itemID="{386CD390-B1E3-4B96-9964-C36C13BBA2C7}">
+<ds:datastoreItem xmlns:ds="http://schemas.openxmlformats.org/officeDocument/2006/customXml" ds:itemID="{3FB4CD9D-3BC1-42A3-A468-E8D0B0337B7C}">
+  <ds:schemaRefs>
+    <ds:schemaRef ds:uri="http://schemas.microsoft.com/sharepoint/v3/contenttype/forms"/>
+  </ds:schemaRefs>
+</ds:datastoreItem>
+</file>
+
+<file path=customXml/itemProps4.xml><?xml version="1.0" encoding="utf-8"?>
+<ds:datastoreItem xmlns:ds="http://schemas.openxmlformats.org/officeDocument/2006/customXml" ds:itemID="{2AE1D2FA-63DA-4743-AC4F-C7550E2CCBAA}">
   <ds:schemaRefs>
     <ds:schemaRef ds:uri="http://schemas.microsoft.com/VisualStudio/2011/storyboarding/control"/>
   </ds:schemaRefs>
 </ds:datastoreItem>
 </file>
 
-<file path=customXml/itemProps4.xml><?xml version="1.0" encoding="utf-8"?>
+<file path=customXml/itemProps5.xml><?xml version="1.0" encoding="utf-8"?>
 <ds:datastoreItem xmlns:ds="http://schemas.openxmlformats.org/officeDocument/2006/customXml" ds:itemID="{613F22D7-C317-4A83-8BF5-C59F9D8797BD}">
   <ds:schemaRefs>
     <ds:schemaRef ds:uri="http://schemas.microsoft.com/VisualStudio/2011/storyboarding/control"/>
@@ -20459,16 +20474,8 @@
 </ds:datastoreItem>
 </file>
 
-<file path=customXml/itemProps5.xml><?xml version="1.0" encoding="utf-8"?>
-<ds:datastoreItem xmlns:ds="http://schemas.openxmlformats.org/officeDocument/2006/customXml" ds:itemID="{2AE1D2FA-63DA-4743-AC4F-C7550E2CCBAA}">
-  <ds:schemaRefs>
-    <ds:schemaRef ds:uri="http://schemas.microsoft.com/VisualStudio/2011/storyboarding/control"/>
-  </ds:schemaRefs>
-</ds:datastoreItem>
-</file>
-
 <file path=customXml/itemProps6.xml><?xml version="1.0" encoding="utf-8"?>
-<ds:datastoreItem xmlns:ds="http://schemas.openxmlformats.org/officeDocument/2006/customXml" ds:itemID="{2C459442-A4AE-4DAE-A598-599F353F7CF6}">
+<ds:datastoreItem xmlns:ds="http://schemas.openxmlformats.org/officeDocument/2006/customXml" ds:itemID="{6E8EF057-E7D2-43B4-8A2C-0E8645542A79}">
   <ds:schemaRefs>
     <ds:schemaRef ds:uri="http://schemas.microsoft.com/VisualStudio/2011/storyboarding/control"/>
   </ds:schemaRefs>
@@ -20476,20 +20483,9 @@
 </file>
 
 <file path=customXml/itemProps7.xml><?xml version="1.0" encoding="utf-8"?>
-<ds:datastoreItem xmlns:ds="http://schemas.openxmlformats.org/officeDocument/2006/customXml" ds:itemID="{D31D41D7-D620-47ED-9083-E82B404CBF31}">
+<ds:datastoreItem xmlns:ds="http://schemas.openxmlformats.org/officeDocument/2006/customXml" ds:itemID="{2DED90C4-D9F1-4A4D-878F-220D729374B8}">
   <ds:schemaRefs>
-    <ds:schemaRef ds:uri="http://schemas.microsoft.com/office/2006/metadata/contentType"/>
-    <ds:schemaRef ds:uri="http://schemas.microsoft.com/office/2006/metadata/properties/metaAttributes"/>
-    <ds:schemaRef ds:uri="http://www.w3.org/2000/xmlns/"/>
-    <ds:schemaRef ds:uri="http://www.w3.org/2001/XMLSchema"/>
-    <ds:schemaRef ds:uri="dc738bfa-ab61-413a-bc6b-25fa2f06df66"/>
-    <ds:schemaRef ds:uri="http://schemas.microsoft.com/office/2006/metadata/properties"/>
-    <ds:schemaRef ds:uri="http://schemas.microsoft.com/office/2006/documentManagement/types"/>
-    <ds:schemaRef ds:uri="http://schemas.microsoft.com/office/infopath/2007/PartnerControls"/>
-    <ds:schemaRef ds:uri="http://schemas.openxmlformats.org/package/2006/metadata/core-properties"/>
-    <ds:schemaRef ds:uri="http://purl.org/dc/elements/1.1/"/>
-    <ds:schemaRef ds:uri="http://purl.org/dc/terms/"/>
-    <ds:schemaRef ds:uri="http://schemas.microsoft.com/internal/obd"/>
+    <ds:schemaRef ds:uri="http://schemas.microsoft.com/VisualStudio/2011/storyboarding/control"/>
   </ds:schemaRefs>
 </ds:datastoreItem>
 </file>
@@ -20503,7 +20499,7 @@
 </file>
 
 <file path=customXml/itemProps9.xml><?xml version="1.0" encoding="utf-8"?>
-<ds:datastoreItem xmlns:ds="http://schemas.openxmlformats.org/officeDocument/2006/customXml" ds:itemID="{6E8EF057-E7D2-43B4-8A2C-0E8645542A79}">
+<ds:datastoreItem xmlns:ds="http://schemas.openxmlformats.org/officeDocument/2006/customXml" ds:itemID="{386CD390-B1E3-4B96-9964-C36C13BBA2C7}">
   <ds:schemaRefs>
     <ds:schemaRef ds:uri="http://schemas.microsoft.com/VisualStudio/2011/storyboarding/control"/>
   </ds:schemaRefs>
